--- a/ppt 16-9/0754.主啊，我亲近你.pptx
+++ b/ppt 16-9/0754.主啊，我亲近你.pptx
@@ -129,7 +129,7 @@
           <p:cNvPr id="2" name="标题 1">
             <a:extLst>
               <a:ext uri="{FF2B5EF4-FFF2-40B4-BE49-F238E27FC236}">
-                <a16:creationId xmlns:a16="http://schemas.microsoft.com/office/drawing/2014/main" id="{4FF3E954-6898-9AF7-97D3-00FFE7540ABB}"/>
+                <a16:creationId xmlns:a16="http://schemas.microsoft.com/office/drawing/2014/main" id="{8E3F7FBC-AC57-80D8-ABD0-05482AA570ED}"/>
               </a:ext>
             </a:extLst>
           </p:cNvPr>
@@ -166,7 +166,7 @@
           <p:cNvPr id="3" name="副标题 2">
             <a:extLst>
               <a:ext uri="{FF2B5EF4-FFF2-40B4-BE49-F238E27FC236}">
-                <a16:creationId xmlns:a16="http://schemas.microsoft.com/office/drawing/2014/main" id="{7301FD8F-84E8-E902-CBAF-8F2264B228B7}"/>
+                <a16:creationId xmlns:a16="http://schemas.microsoft.com/office/drawing/2014/main" id="{21BFA89E-1399-5619-667F-1E1A950646F5}"/>
               </a:ext>
             </a:extLst>
           </p:cNvPr>
@@ -236,7 +236,7 @@
           <p:cNvPr id="4" name="日期占位符 3">
             <a:extLst>
               <a:ext uri="{FF2B5EF4-FFF2-40B4-BE49-F238E27FC236}">
-                <a16:creationId xmlns:a16="http://schemas.microsoft.com/office/drawing/2014/main" id="{B4BE30DA-2D96-B0C0-F601-B0EE11BA7700}"/>
+                <a16:creationId xmlns:a16="http://schemas.microsoft.com/office/drawing/2014/main" id="{461A4BC2-781E-EEE2-5A0E-F99C2786EAA9}"/>
               </a:ext>
             </a:extLst>
           </p:cNvPr>
@@ -252,7 +252,7 @@
           <a:bodyPr/>
           <a:lstStyle/>
           <a:p>
-            <a:fld id="{62F1CC81-A85E-4336-B800-54F34CB696D1}" type="datetimeFigureOut">
+            <a:fld id="{2C45D382-BE16-4149-A97B-B3A944BF248C}" type="datetimeFigureOut">
               <a:rPr lang="zh-CN" altLang="en-US" smtClean="0"/>
               <a:t>2024/3/10</a:t>
             </a:fld>
@@ -265,7 +265,7 @@
           <p:cNvPr id="5" name="页脚占位符 4">
             <a:extLst>
               <a:ext uri="{FF2B5EF4-FFF2-40B4-BE49-F238E27FC236}">
-                <a16:creationId xmlns:a16="http://schemas.microsoft.com/office/drawing/2014/main" id="{DAB3243B-3399-DAF8-1998-F0F7D346FE35}"/>
+                <a16:creationId xmlns:a16="http://schemas.microsoft.com/office/drawing/2014/main" id="{32DC3459-6BEC-5FE2-15A5-613ADB40524E}"/>
               </a:ext>
             </a:extLst>
           </p:cNvPr>
@@ -290,7 +290,7 @@
           <p:cNvPr id="6" name="灯片编号占位符 5">
             <a:extLst>
               <a:ext uri="{FF2B5EF4-FFF2-40B4-BE49-F238E27FC236}">
-                <a16:creationId xmlns:a16="http://schemas.microsoft.com/office/drawing/2014/main" id="{E11104AE-02E3-8D71-877B-3130F4334775}"/>
+                <a16:creationId xmlns:a16="http://schemas.microsoft.com/office/drawing/2014/main" id="{21253C6F-0D87-D508-CC51-2599C985A31C}"/>
               </a:ext>
             </a:extLst>
           </p:cNvPr>
@@ -306,7 +306,7 @@
           <a:bodyPr/>
           <a:lstStyle/>
           <a:p>
-            <a:fld id="{7EFF3FD4-2AEB-43DC-8917-F5D48FF2F61C}" type="slidenum">
+            <a:fld id="{DE787B0F-3BE2-4288-87EB-F193B9A30F8A}" type="slidenum">
               <a:rPr lang="zh-CN" altLang="en-US" smtClean="0"/>
               <a:t>‹#›</a:t>
             </a:fld>
@@ -317,7 +317,7 @@
     </p:spTree>
     <p:extLst>
       <p:ext uri="{BB962C8B-B14F-4D97-AF65-F5344CB8AC3E}">
-        <p14:creationId xmlns:p14="http://schemas.microsoft.com/office/powerpoint/2010/main" val="2317725455"/>
+        <p14:creationId xmlns:p14="http://schemas.microsoft.com/office/powerpoint/2010/main" val="1445322383"/>
       </p:ext>
     </p:extLst>
   </p:cSld>
@@ -349,7 +349,7 @@
           <p:cNvPr id="2" name="标题 1">
             <a:extLst>
               <a:ext uri="{FF2B5EF4-FFF2-40B4-BE49-F238E27FC236}">
-                <a16:creationId xmlns:a16="http://schemas.microsoft.com/office/drawing/2014/main" id="{FD7DB1CC-66AC-99D6-50FF-0108648DFCBA}"/>
+                <a16:creationId xmlns:a16="http://schemas.microsoft.com/office/drawing/2014/main" id="{48C2049C-ACB6-E69B-603F-AB5DBF78EEF5}"/>
               </a:ext>
             </a:extLst>
           </p:cNvPr>
@@ -377,7 +377,7 @@
           <p:cNvPr id="3" name="竖排文字占位符 2">
             <a:extLst>
               <a:ext uri="{FF2B5EF4-FFF2-40B4-BE49-F238E27FC236}">
-                <a16:creationId xmlns:a16="http://schemas.microsoft.com/office/drawing/2014/main" id="{5BC67C2B-47D6-51ED-231F-173C3E0E7B78}"/>
+                <a16:creationId xmlns:a16="http://schemas.microsoft.com/office/drawing/2014/main" id="{80173205-9385-53B6-8993-37531076CFC1}"/>
               </a:ext>
             </a:extLst>
           </p:cNvPr>
@@ -434,7 +434,7 @@
           <p:cNvPr id="4" name="日期占位符 3">
             <a:extLst>
               <a:ext uri="{FF2B5EF4-FFF2-40B4-BE49-F238E27FC236}">
-                <a16:creationId xmlns:a16="http://schemas.microsoft.com/office/drawing/2014/main" id="{725A84D5-A853-E2F2-C811-EFD0F74B80BE}"/>
+                <a16:creationId xmlns:a16="http://schemas.microsoft.com/office/drawing/2014/main" id="{B1488C22-6FAC-056F-129F-CFBAA76858C6}"/>
               </a:ext>
             </a:extLst>
           </p:cNvPr>
@@ -450,7 +450,7 @@
           <a:bodyPr/>
           <a:lstStyle/>
           <a:p>
-            <a:fld id="{62F1CC81-A85E-4336-B800-54F34CB696D1}" type="datetimeFigureOut">
+            <a:fld id="{2C45D382-BE16-4149-A97B-B3A944BF248C}" type="datetimeFigureOut">
               <a:rPr lang="zh-CN" altLang="en-US" smtClean="0"/>
               <a:t>2024/3/10</a:t>
             </a:fld>
@@ -463,7 +463,7 @@
           <p:cNvPr id="5" name="页脚占位符 4">
             <a:extLst>
               <a:ext uri="{FF2B5EF4-FFF2-40B4-BE49-F238E27FC236}">
-                <a16:creationId xmlns:a16="http://schemas.microsoft.com/office/drawing/2014/main" id="{8F2C7CD3-09F1-07E7-CB32-24F0C325E2FD}"/>
+                <a16:creationId xmlns:a16="http://schemas.microsoft.com/office/drawing/2014/main" id="{F34FFC99-052C-B1FB-FB94-B0B27D310A69}"/>
               </a:ext>
             </a:extLst>
           </p:cNvPr>
@@ -488,7 +488,7 @@
           <p:cNvPr id="6" name="灯片编号占位符 5">
             <a:extLst>
               <a:ext uri="{FF2B5EF4-FFF2-40B4-BE49-F238E27FC236}">
-                <a16:creationId xmlns:a16="http://schemas.microsoft.com/office/drawing/2014/main" id="{CC7F32A6-7517-DB08-378E-877D18B4BF77}"/>
+                <a16:creationId xmlns:a16="http://schemas.microsoft.com/office/drawing/2014/main" id="{A05746F8-976A-5874-E465-6984DACDEA0E}"/>
               </a:ext>
             </a:extLst>
           </p:cNvPr>
@@ -504,7 +504,7 @@
           <a:bodyPr/>
           <a:lstStyle/>
           <a:p>
-            <a:fld id="{7EFF3FD4-2AEB-43DC-8917-F5D48FF2F61C}" type="slidenum">
+            <a:fld id="{DE787B0F-3BE2-4288-87EB-F193B9A30F8A}" type="slidenum">
               <a:rPr lang="zh-CN" altLang="en-US" smtClean="0"/>
               <a:t>‹#›</a:t>
             </a:fld>
@@ -515,7 +515,7 @@
     </p:spTree>
     <p:extLst>
       <p:ext uri="{BB962C8B-B14F-4D97-AF65-F5344CB8AC3E}">
-        <p14:creationId xmlns:p14="http://schemas.microsoft.com/office/powerpoint/2010/main" val="996042933"/>
+        <p14:creationId xmlns:p14="http://schemas.microsoft.com/office/powerpoint/2010/main" val="194493824"/>
       </p:ext>
     </p:extLst>
   </p:cSld>
@@ -547,7 +547,7 @@
           <p:cNvPr id="2" name="竖排标题 1">
             <a:extLst>
               <a:ext uri="{FF2B5EF4-FFF2-40B4-BE49-F238E27FC236}">
-                <a16:creationId xmlns:a16="http://schemas.microsoft.com/office/drawing/2014/main" id="{B942E1EC-AECC-9D4B-DFFA-BB9E61A3C9F8}"/>
+                <a16:creationId xmlns:a16="http://schemas.microsoft.com/office/drawing/2014/main" id="{634C4B48-BD1D-7D98-FFAC-801DDF9012ED}"/>
               </a:ext>
             </a:extLst>
           </p:cNvPr>
@@ -580,7 +580,7 @@
           <p:cNvPr id="3" name="竖排文字占位符 2">
             <a:extLst>
               <a:ext uri="{FF2B5EF4-FFF2-40B4-BE49-F238E27FC236}">
-                <a16:creationId xmlns:a16="http://schemas.microsoft.com/office/drawing/2014/main" id="{25E014B2-0C79-9C24-A227-72F6CF16E4F9}"/>
+                <a16:creationId xmlns:a16="http://schemas.microsoft.com/office/drawing/2014/main" id="{2735E1FF-8F95-0D65-9CDE-A1EFCE7A496A}"/>
               </a:ext>
             </a:extLst>
           </p:cNvPr>
@@ -642,7 +642,7 @@
           <p:cNvPr id="4" name="日期占位符 3">
             <a:extLst>
               <a:ext uri="{FF2B5EF4-FFF2-40B4-BE49-F238E27FC236}">
-                <a16:creationId xmlns:a16="http://schemas.microsoft.com/office/drawing/2014/main" id="{5150170E-1E97-DAAD-4E4A-F764D488C00C}"/>
+                <a16:creationId xmlns:a16="http://schemas.microsoft.com/office/drawing/2014/main" id="{B1C63794-9D47-7118-E414-CD6DE651F5CE}"/>
               </a:ext>
             </a:extLst>
           </p:cNvPr>
@@ -658,7 +658,7 @@
           <a:bodyPr/>
           <a:lstStyle/>
           <a:p>
-            <a:fld id="{62F1CC81-A85E-4336-B800-54F34CB696D1}" type="datetimeFigureOut">
+            <a:fld id="{2C45D382-BE16-4149-A97B-B3A944BF248C}" type="datetimeFigureOut">
               <a:rPr lang="zh-CN" altLang="en-US" smtClean="0"/>
               <a:t>2024/3/10</a:t>
             </a:fld>
@@ -671,7 +671,7 @@
           <p:cNvPr id="5" name="页脚占位符 4">
             <a:extLst>
               <a:ext uri="{FF2B5EF4-FFF2-40B4-BE49-F238E27FC236}">
-                <a16:creationId xmlns:a16="http://schemas.microsoft.com/office/drawing/2014/main" id="{41181839-E6AE-4B03-8009-E8C2213AF2CB}"/>
+                <a16:creationId xmlns:a16="http://schemas.microsoft.com/office/drawing/2014/main" id="{9CE1BACB-78F9-0EE2-3736-3E62703349B5}"/>
               </a:ext>
             </a:extLst>
           </p:cNvPr>
@@ -696,7 +696,7 @@
           <p:cNvPr id="6" name="灯片编号占位符 5">
             <a:extLst>
               <a:ext uri="{FF2B5EF4-FFF2-40B4-BE49-F238E27FC236}">
-                <a16:creationId xmlns:a16="http://schemas.microsoft.com/office/drawing/2014/main" id="{21385C49-C1AD-FCAA-F6F8-86832A5EA9F5}"/>
+                <a16:creationId xmlns:a16="http://schemas.microsoft.com/office/drawing/2014/main" id="{EBA50DA3-B24F-0403-2DB2-7384C88D5A4E}"/>
               </a:ext>
             </a:extLst>
           </p:cNvPr>
@@ -712,7 +712,7 @@
           <a:bodyPr/>
           <a:lstStyle/>
           <a:p>
-            <a:fld id="{7EFF3FD4-2AEB-43DC-8917-F5D48FF2F61C}" type="slidenum">
+            <a:fld id="{DE787B0F-3BE2-4288-87EB-F193B9A30F8A}" type="slidenum">
               <a:rPr lang="zh-CN" altLang="en-US" smtClean="0"/>
               <a:t>‹#›</a:t>
             </a:fld>
@@ -723,7 +723,7 @@
     </p:spTree>
     <p:extLst>
       <p:ext uri="{BB962C8B-B14F-4D97-AF65-F5344CB8AC3E}">
-        <p14:creationId xmlns:p14="http://schemas.microsoft.com/office/powerpoint/2010/main" val="3299822145"/>
+        <p14:creationId xmlns:p14="http://schemas.microsoft.com/office/powerpoint/2010/main" val="3548558364"/>
       </p:ext>
     </p:extLst>
   </p:cSld>
@@ -755,7 +755,7 @@
           <p:cNvPr id="2" name="标题 1">
             <a:extLst>
               <a:ext uri="{FF2B5EF4-FFF2-40B4-BE49-F238E27FC236}">
-                <a16:creationId xmlns:a16="http://schemas.microsoft.com/office/drawing/2014/main" id="{4FE5975D-3A4C-D263-A50D-D1E20C910690}"/>
+                <a16:creationId xmlns:a16="http://schemas.microsoft.com/office/drawing/2014/main" id="{BF7F5CEF-EC8A-B98C-9C1A-D074D4F78694}"/>
               </a:ext>
             </a:extLst>
           </p:cNvPr>
@@ -783,7 +783,7 @@
           <p:cNvPr id="3" name="内容占位符 2">
             <a:extLst>
               <a:ext uri="{FF2B5EF4-FFF2-40B4-BE49-F238E27FC236}">
-                <a16:creationId xmlns:a16="http://schemas.microsoft.com/office/drawing/2014/main" id="{3A8A9B9B-9F3E-1638-4F98-BB143220A5F5}"/>
+                <a16:creationId xmlns:a16="http://schemas.microsoft.com/office/drawing/2014/main" id="{4FE64339-5E89-ED45-DF08-11AFF6C2111E}"/>
               </a:ext>
             </a:extLst>
           </p:cNvPr>
@@ -840,7 +840,7 @@
           <p:cNvPr id="4" name="日期占位符 3">
             <a:extLst>
               <a:ext uri="{FF2B5EF4-FFF2-40B4-BE49-F238E27FC236}">
-                <a16:creationId xmlns:a16="http://schemas.microsoft.com/office/drawing/2014/main" id="{761E2ECF-608A-CB7C-541C-B4C07E47CA2B}"/>
+                <a16:creationId xmlns:a16="http://schemas.microsoft.com/office/drawing/2014/main" id="{F92610BA-E044-48A4-377F-506A2507BE45}"/>
               </a:ext>
             </a:extLst>
           </p:cNvPr>
@@ -856,7 +856,7 @@
           <a:bodyPr/>
           <a:lstStyle/>
           <a:p>
-            <a:fld id="{62F1CC81-A85E-4336-B800-54F34CB696D1}" type="datetimeFigureOut">
+            <a:fld id="{2C45D382-BE16-4149-A97B-B3A944BF248C}" type="datetimeFigureOut">
               <a:rPr lang="zh-CN" altLang="en-US" smtClean="0"/>
               <a:t>2024/3/10</a:t>
             </a:fld>
@@ -869,7 +869,7 @@
           <p:cNvPr id="5" name="页脚占位符 4">
             <a:extLst>
               <a:ext uri="{FF2B5EF4-FFF2-40B4-BE49-F238E27FC236}">
-                <a16:creationId xmlns:a16="http://schemas.microsoft.com/office/drawing/2014/main" id="{BCB2E320-343C-6619-BD10-7A38DF00E6BF}"/>
+                <a16:creationId xmlns:a16="http://schemas.microsoft.com/office/drawing/2014/main" id="{03E4F13A-3346-04CB-2DBA-8250D8EB3CF9}"/>
               </a:ext>
             </a:extLst>
           </p:cNvPr>
@@ -894,7 +894,7 @@
           <p:cNvPr id="6" name="灯片编号占位符 5">
             <a:extLst>
               <a:ext uri="{FF2B5EF4-FFF2-40B4-BE49-F238E27FC236}">
-                <a16:creationId xmlns:a16="http://schemas.microsoft.com/office/drawing/2014/main" id="{000A1DCA-2BFF-76CF-30F6-449935EB7D96}"/>
+                <a16:creationId xmlns:a16="http://schemas.microsoft.com/office/drawing/2014/main" id="{EE2612BE-C190-745A-CB68-8564FA46F823}"/>
               </a:ext>
             </a:extLst>
           </p:cNvPr>
@@ -910,7 +910,7 @@
           <a:bodyPr/>
           <a:lstStyle/>
           <a:p>
-            <a:fld id="{7EFF3FD4-2AEB-43DC-8917-F5D48FF2F61C}" type="slidenum">
+            <a:fld id="{DE787B0F-3BE2-4288-87EB-F193B9A30F8A}" type="slidenum">
               <a:rPr lang="zh-CN" altLang="en-US" smtClean="0"/>
               <a:t>‹#›</a:t>
             </a:fld>
@@ -921,7 +921,7 @@
     </p:spTree>
     <p:extLst>
       <p:ext uri="{BB962C8B-B14F-4D97-AF65-F5344CB8AC3E}">
-        <p14:creationId xmlns:p14="http://schemas.microsoft.com/office/powerpoint/2010/main" val="1240060205"/>
+        <p14:creationId xmlns:p14="http://schemas.microsoft.com/office/powerpoint/2010/main" val="2522999030"/>
       </p:ext>
     </p:extLst>
   </p:cSld>
@@ -953,7 +953,7 @@
           <p:cNvPr id="2" name="标题 1">
             <a:extLst>
               <a:ext uri="{FF2B5EF4-FFF2-40B4-BE49-F238E27FC236}">
-                <a16:creationId xmlns:a16="http://schemas.microsoft.com/office/drawing/2014/main" id="{85EE7406-0A9F-E06C-1E2F-449538E96292}"/>
+                <a16:creationId xmlns:a16="http://schemas.microsoft.com/office/drawing/2014/main" id="{F555418A-BFFB-92FB-1709-F8E4B531EA51}"/>
               </a:ext>
             </a:extLst>
           </p:cNvPr>
@@ -990,7 +990,7 @@
           <p:cNvPr id="3" name="文本占位符 2">
             <a:extLst>
               <a:ext uri="{FF2B5EF4-FFF2-40B4-BE49-F238E27FC236}">
-                <a16:creationId xmlns:a16="http://schemas.microsoft.com/office/drawing/2014/main" id="{1FF657E8-7F2F-EC27-D2BB-8EAB71FAFAFF}"/>
+                <a16:creationId xmlns:a16="http://schemas.microsoft.com/office/drawing/2014/main" id="{B0468BB5-BE6C-77D1-7C77-61D85E6F79C3}"/>
               </a:ext>
             </a:extLst>
           </p:cNvPr>
@@ -1115,7 +1115,7 @@
           <p:cNvPr id="4" name="日期占位符 3">
             <a:extLst>
               <a:ext uri="{FF2B5EF4-FFF2-40B4-BE49-F238E27FC236}">
-                <a16:creationId xmlns:a16="http://schemas.microsoft.com/office/drawing/2014/main" id="{042F9B1F-8BF7-3F13-7541-78622D365ADE}"/>
+                <a16:creationId xmlns:a16="http://schemas.microsoft.com/office/drawing/2014/main" id="{0C903EA7-2809-6E65-90DF-C14E7065D2C0}"/>
               </a:ext>
             </a:extLst>
           </p:cNvPr>
@@ -1131,7 +1131,7 @@
           <a:bodyPr/>
           <a:lstStyle/>
           <a:p>
-            <a:fld id="{62F1CC81-A85E-4336-B800-54F34CB696D1}" type="datetimeFigureOut">
+            <a:fld id="{2C45D382-BE16-4149-A97B-B3A944BF248C}" type="datetimeFigureOut">
               <a:rPr lang="zh-CN" altLang="en-US" smtClean="0"/>
               <a:t>2024/3/10</a:t>
             </a:fld>
@@ -1144,7 +1144,7 @@
           <p:cNvPr id="5" name="页脚占位符 4">
             <a:extLst>
               <a:ext uri="{FF2B5EF4-FFF2-40B4-BE49-F238E27FC236}">
-                <a16:creationId xmlns:a16="http://schemas.microsoft.com/office/drawing/2014/main" id="{DC056071-5826-C3C9-21E0-AC3B2102D5BB}"/>
+                <a16:creationId xmlns:a16="http://schemas.microsoft.com/office/drawing/2014/main" id="{7D8900D1-3796-796D-2846-6738011B52D4}"/>
               </a:ext>
             </a:extLst>
           </p:cNvPr>
@@ -1169,7 +1169,7 @@
           <p:cNvPr id="6" name="灯片编号占位符 5">
             <a:extLst>
               <a:ext uri="{FF2B5EF4-FFF2-40B4-BE49-F238E27FC236}">
-                <a16:creationId xmlns:a16="http://schemas.microsoft.com/office/drawing/2014/main" id="{05199B4D-A1BC-D36A-AFB0-E9F5729EE51D}"/>
+                <a16:creationId xmlns:a16="http://schemas.microsoft.com/office/drawing/2014/main" id="{BA6C9A62-70F2-B7B5-C260-BA1C3CFBB3E3}"/>
               </a:ext>
             </a:extLst>
           </p:cNvPr>
@@ -1185,7 +1185,7 @@
           <a:bodyPr/>
           <a:lstStyle/>
           <a:p>
-            <a:fld id="{7EFF3FD4-2AEB-43DC-8917-F5D48FF2F61C}" type="slidenum">
+            <a:fld id="{DE787B0F-3BE2-4288-87EB-F193B9A30F8A}" type="slidenum">
               <a:rPr lang="zh-CN" altLang="en-US" smtClean="0"/>
               <a:t>‹#›</a:t>
             </a:fld>
@@ -1196,7 +1196,7 @@
     </p:spTree>
     <p:extLst>
       <p:ext uri="{BB962C8B-B14F-4D97-AF65-F5344CB8AC3E}">
-        <p14:creationId xmlns:p14="http://schemas.microsoft.com/office/powerpoint/2010/main" val="164728877"/>
+        <p14:creationId xmlns:p14="http://schemas.microsoft.com/office/powerpoint/2010/main" val="3177999530"/>
       </p:ext>
     </p:extLst>
   </p:cSld>
@@ -1228,7 +1228,7 @@
           <p:cNvPr id="2" name="标题 1">
             <a:extLst>
               <a:ext uri="{FF2B5EF4-FFF2-40B4-BE49-F238E27FC236}">
-                <a16:creationId xmlns:a16="http://schemas.microsoft.com/office/drawing/2014/main" id="{69E9717E-F75A-3F57-E643-0BDC13CBEAAF}"/>
+                <a16:creationId xmlns:a16="http://schemas.microsoft.com/office/drawing/2014/main" id="{6FFE4C09-4AEF-4FA8-4436-1A75620BA0E0}"/>
               </a:ext>
             </a:extLst>
           </p:cNvPr>
@@ -1256,7 +1256,7 @@
           <p:cNvPr id="3" name="内容占位符 2">
             <a:extLst>
               <a:ext uri="{FF2B5EF4-FFF2-40B4-BE49-F238E27FC236}">
-                <a16:creationId xmlns:a16="http://schemas.microsoft.com/office/drawing/2014/main" id="{3A22E46D-E11A-60AE-9745-ED981D041E88}"/>
+                <a16:creationId xmlns:a16="http://schemas.microsoft.com/office/drawing/2014/main" id="{39CB9407-B332-FE8E-99A0-2B4ED1A73F3F}"/>
               </a:ext>
             </a:extLst>
           </p:cNvPr>
@@ -1318,7 +1318,7 @@
           <p:cNvPr id="4" name="内容占位符 3">
             <a:extLst>
               <a:ext uri="{FF2B5EF4-FFF2-40B4-BE49-F238E27FC236}">
-                <a16:creationId xmlns:a16="http://schemas.microsoft.com/office/drawing/2014/main" id="{3F86B6C4-9990-5673-1738-F8F8CC3877CD}"/>
+                <a16:creationId xmlns:a16="http://schemas.microsoft.com/office/drawing/2014/main" id="{AC1DE65C-A0F4-BF3E-690F-0EC67515E881}"/>
               </a:ext>
             </a:extLst>
           </p:cNvPr>
@@ -1380,7 +1380,7 @@
           <p:cNvPr id="5" name="日期占位符 4">
             <a:extLst>
               <a:ext uri="{FF2B5EF4-FFF2-40B4-BE49-F238E27FC236}">
-                <a16:creationId xmlns:a16="http://schemas.microsoft.com/office/drawing/2014/main" id="{AA37DB04-1EA1-4123-1640-FE5DDC54B421}"/>
+                <a16:creationId xmlns:a16="http://schemas.microsoft.com/office/drawing/2014/main" id="{6955E297-D484-2F0E-8137-1CEA47BB4F7E}"/>
               </a:ext>
             </a:extLst>
           </p:cNvPr>
@@ -1396,7 +1396,7 @@
           <a:bodyPr/>
           <a:lstStyle/>
           <a:p>
-            <a:fld id="{62F1CC81-A85E-4336-B800-54F34CB696D1}" type="datetimeFigureOut">
+            <a:fld id="{2C45D382-BE16-4149-A97B-B3A944BF248C}" type="datetimeFigureOut">
               <a:rPr lang="zh-CN" altLang="en-US" smtClean="0"/>
               <a:t>2024/3/10</a:t>
             </a:fld>
@@ -1409,7 +1409,7 @@
           <p:cNvPr id="6" name="页脚占位符 5">
             <a:extLst>
               <a:ext uri="{FF2B5EF4-FFF2-40B4-BE49-F238E27FC236}">
-                <a16:creationId xmlns:a16="http://schemas.microsoft.com/office/drawing/2014/main" id="{4BE7AC4C-3826-BE39-50F9-476BC0892836}"/>
+                <a16:creationId xmlns:a16="http://schemas.microsoft.com/office/drawing/2014/main" id="{58A62E02-C2AC-6AD1-CF5F-1CC9A39E7064}"/>
               </a:ext>
             </a:extLst>
           </p:cNvPr>
@@ -1434,7 +1434,7 @@
           <p:cNvPr id="7" name="灯片编号占位符 6">
             <a:extLst>
               <a:ext uri="{FF2B5EF4-FFF2-40B4-BE49-F238E27FC236}">
-                <a16:creationId xmlns:a16="http://schemas.microsoft.com/office/drawing/2014/main" id="{CCFE86F4-D0E2-25BF-AE4A-23568E6CC114}"/>
+                <a16:creationId xmlns:a16="http://schemas.microsoft.com/office/drawing/2014/main" id="{141333D0-DD13-64DC-F969-3F35FD3B2040}"/>
               </a:ext>
             </a:extLst>
           </p:cNvPr>
@@ -1450,7 +1450,7 @@
           <a:bodyPr/>
           <a:lstStyle/>
           <a:p>
-            <a:fld id="{7EFF3FD4-2AEB-43DC-8917-F5D48FF2F61C}" type="slidenum">
+            <a:fld id="{DE787B0F-3BE2-4288-87EB-F193B9A30F8A}" type="slidenum">
               <a:rPr lang="zh-CN" altLang="en-US" smtClean="0"/>
               <a:t>‹#›</a:t>
             </a:fld>
@@ -1461,7 +1461,7 @@
     </p:spTree>
     <p:extLst>
       <p:ext uri="{BB962C8B-B14F-4D97-AF65-F5344CB8AC3E}">
-        <p14:creationId xmlns:p14="http://schemas.microsoft.com/office/powerpoint/2010/main" val="427015370"/>
+        <p14:creationId xmlns:p14="http://schemas.microsoft.com/office/powerpoint/2010/main" val="2542902188"/>
       </p:ext>
     </p:extLst>
   </p:cSld>
@@ -1493,7 +1493,7 @@
           <p:cNvPr id="2" name="标题 1">
             <a:extLst>
               <a:ext uri="{FF2B5EF4-FFF2-40B4-BE49-F238E27FC236}">
-                <a16:creationId xmlns:a16="http://schemas.microsoft.com/office/drawing/2014/main" id="{C50FBD09-57AE-7B9F-6A6E-9D74A30AF8F1}"/>
+                <a16:creationId xmlns:a16="http://schemas.microsoft.com/office/drawing/2014/main" id="{1926DA82-B115-2A2D-602F-5DC03F14241F}"/>
               </a:ext>
             </a:extLst>
           </p:cNvPr>
@@ -1526,7 +1526,7 @@
           <p:cNvPr id="3" name="文本占位符 2">
             <a:extLst>
               <a:ext uri="{FF2B5EF4-FFF2-40B4-BE49-F238E27FC236}">
-                <a16:creationId xmlns:a16="http://schemas.microsoft.com/office/drawing/2014/main" id="{97F5186F-1B0A-F308-7C81-D623EDC3C4A2}"/>
+                <a16:creationId xmlns:a16="http://schemas.microsoft.com/office/drawing/2014/main" id="{1D866365-F90A-4230-66DF-E4587C03F72D}"/>
               </a:ext>
             </a:extLst>
           </p:cNvPr>
@@ -1597,7 +1597,7 @@
           <p:cNvPr id="4" name="内容占位符 3">
             <a:extLst>
               <a:ext uri="{FF2B5EF4-FFF2-40B4-BE49-F238E27FC236}">
-                <a16:creationId xmlns:a16="http://schemas.microsoft.com/office/drawing/2014/main" id="{962D3A5D-8F4C-C65C-FF8D-F162793BDC1B}"/>
+                <a16:creationId xmlns:a16="http://schemas.microsoft.com/office/drawing/2014/main" id="{AC6E5D73-E439-9303-E90D-CA73C3624AA7}"/>
               </a:ext>
             </a:extLst>
           </p:cNvPr>
@@ -1659,7 +1659,7 @@
           <p:cNvPr id="5" name="文本占位符 4">
             <a:extLst>
               <a:ext uri="{FF2B5EF4-FFF2-40B4-BE49-F238E27FC236}">
-                <a16:creationId xmlns:a16="http://schemas.microsoft.com/office/drawing/2014/main" id="{2A8A2036-D0FB-6FFA-9027-8B2132D1DE83}"/>
+                <a16:creationId xmlns:a16="http://schemas.microsoft.com/office/drawing/2014/main" id="{7A151C06-2886-63D1-92D2-BAB67C576EC9}"/>
               </a:ext>
             </a:extLst>
           </p:cNvPr>
@@ -1730,7 +1730,7 @@
           <p:cNvPr id="6" name="内容占位符 5">
             <a:extLst>
               <a:ext uri="{FF2B5EF4-FFF2-40B4-BE49-F238E27FC236}">
-                <a16:creationId xmlns:a16="http://schemas.microsoft.com/office/drawing/2014/main" id="{50AC9F82-F389-25C6-778C-564AFA95F4A9}"/>
+                <a16:creationId xmlns:a16="http://schemas.microsoft.com/office/drawing/2014/main" id="{A0FB268C-9D13-59EC-3890-37E7361658CF}"/>
               </a:ext>
             </a:extLst>
           </p:cNvPr>
@@ -1792,7 +1792,7 @@
           <p:cNvPr id="7" name="日期占位符 6">
             <a:extLst>
               <a:ext uri="{FF2B5EF4-FFF2-40B4-BE49-F238E27FC236}">
-                <a16:creationId xmlns:a16="http://schemas.microsoft.com/office/drawing/2014/main" id="{976FCB19-5AE4-3CFF-0167-887DEB4F9377}"/>
+                <a16:creationId xmlns:a16="http://schemas.microsoft.com/office/drawing/2014/main" id="{EBAB02D0-4722-87CB-AEF8-3B4E80B456AA}"/>
               </a:ext>
             </a:extLst>
           </p:cNvPr>
@@ -1808,7 +1808,7 @@
           <a:bodyPr/>
           <a:lstStyle/>
           <a:p>
-            <a:fld id="{62F1CC81-A85E-4336-B800-54F34CB696D1}" type="datetimeFigureOut">
+            <a:fld id="{2C45D382-BE16-4149-A97B-B3A944BF248C}" type="datetimeFigureOut">
               <a:rPr lang="zh-CN" altLang="en-US" smtClean="0"/>
               <a:t>2024/3/10</a:t>
             </a:fld>
@@ -1821,7 +1821,7 @@
           <p:cNvPr id="8" name="页脚占位符 7">
             <a:extLst>
               <a:ext uri="{FF2B5EF4-FFF2-40B4-BE49-F238E27FC236}">
-                <a16:creationId xmlns:a16="http://schemas.microsoft.com/office/drawing/2014/main" id="{552B5D44-9610-D035-2EB8-3606728881A7}"/>
+                <a16:creationId xmlns:a16="http://schemas.microsoft.com/office/drawing/2014/main" id="{3F71E847-3D12-8733-6376-276E271A7038}"/>
               </a:ext>
             </a:extLst>
           </p:cNvPr>
@@ -1846,7 +1846,7 @@
           <p:cNvPr id="9" name="灯片编号占位符 8">
             <a:extLst>
               <a:ext uri="{FF2B5EF4-FFF2-40B4-BE49-F238E27FC236}">
-                <a16:creationId xmlns:a16="http://schemas.microsoft.com/office/drawing/2014/main" id="{8F9B347C-7C0F-32DF-1F84-5FB0E1D92A6A}"/>
+                <a16:creationId xmlns:a16="http://schemas.microsoft.com/office/drawing/2014/main" id="{8F9F9505-6B44-6DA7-AA66-52B922F322A3}"/>
               </a:ext>
             </a:extLst>
           </p:cNvPr>
@@ -1862,7 +1862,7 @@
           <a:bodyPr/>
           <a:lstStyle/>
           <a:p>
-            <a:fld id="{7EFF3FD4-2AEB-43DC-8917-F5D48FF2F61C}" type="slidenum">
+            <a:fld id="{DE787B0F-3BE2-4288-87EB-F193B9A30F8A}" type="slidenum">
               <a:rPr lang="zh-CN" altLang="en-US" smtClean="0"/>
               <a:t>‹#›</a:t>
             </a:fld>
@@ -1873,7 +1873,7 @@
     </p:spTree>
     <p:extLst>
       <p:ext uri="{BB962C8B-B14F-4D97-AF65-F5344CB8AC3E}">
-        <p14:creationId xmlns:p14="http://schemas.microsoft.com/office/powerpoint/2010/main" val="279624949"/>
+        <p14:creationId xmlns:p14="http://schemas.microsoft.com/office/powerpoint/2010/main" val="2141733179"/>
       </p:ext>
     </p:extLst>
   </p:cSld>
@@ -1905,7 +1905,7 @@
           <p:cNvPr id="2" name="标题 1">
             <a:extLst>
               <a:ext uri="{FF2B5EF4-FFF2-40B4-BE49-F238E27FC236}">
-                <a16:creationId xmlns:a16="http://schemas.microsoft.com/office/drawing/2014/main" id="{1169E566-219B-FCF2-C462-F114542C38AB}"/>
+                <a16:creationId xmlns:a16="http://schemas.microsoft.com/office/drawing/2014/main" id="{75E6A653-A1F4-801D-EA46-BDCED8009BD4}"/>
               </a:ext>
             </a:extLst>
           </p:cNvPr>
@@ -1933,7 +1933,7 @@
           <p:cNvPr id="3" name="日期占位符 2">
             <a:extLst>
               <a:ext uri="{FF2B5EF4-FFF2-40B4-BE49-F238E27FC236}">
-                <a16:creationId xmlns:a16="http://schemas.microsoft.com/office/drawing/2014/main" id="{45C24260-EAAB-8F2C-62C2-A568E529AA34}"/>
+                <a16:creationId xmlns:a16="http://schemas.microsoft.com/office/drawing/2014/main" id="{D5801CD4-4869-A51C-FF5F-A1DFF8026ECB}"/>
               </a:ext>
             </a:extLst>
           </p:cNvPr>
@@ -1949,7 +1949,7 @@
           <a:bodyPr/>
           <a:lstStyle/>
           <a:p>
-            <a:fld id="{62F1CC81-A85E-4336-B800-54F34CB696D1}" type="datetimeFigureOut">
+            <a:fld id="{2C45D382-BE16-4149-A97B-B3A944BF248C}" type="datetimeFigureOut">
               <a:rPr lang="zh-CN" altLang="en-US" smtClean="0"/>
               <a:t>2024/3/10</a:t>
             </a:fld>
@@ -1962,7 +1962,7 @@
           <p:cNvPr id="4" name="页脚占位符 3">
             <a:extLst>
               <a:ext uri="{FF2B5EF4-FFF2-40B4-BE49-F238E27FC236}">
-                <a16:creationId xmlns:a16="http://schemas.microsoft.com/office/drawing/2014/main" id="{B24815D6-960D-46DC-B48D-CDCDF58B3736}"/>
+                <a16:creationId xmlns:a16="http://schemas.microsoft.com/office/drawing/2014/main" id="{386A2E31-C2F8-54A0-BA91-716637EB8108}"/>
               </a:ext>
             </a:extLst>
           </p:cNvPr>
@@ -1987,7 +1987,7 @@
           <p:cNvPr id="5" name="灯片编号占位符 4">
             <a:extLst>
               <a:ext uri="{FF2B5EF4-FFF2-40B4-BE49-F238E27FC236}">
-                <a16:creationId xmlns:a16="http://schemas.microsoft.com/office/drawing/2014/main" id="{A088B72E-311A-403D-A130-711484222677}"/>
+                <a16:creationId xmlns:a16="http://schemas.microsoft.com/office/drawing/2014/main" id="{E9BB5E7F-9573-E72F-336F-DDCFD110EFD8}"/>
               </a:ext>
             </a:extLst>
           </p:cNvPr>
@@ -2003,7 +2003,7 @@
           <a:bodyPr/>
           <a:lstStyle/>
           <a:p>
-            <a:fld id="{7EFF3FD4-2AEB-43DC-8917-F5D48FF2F61C}" type="slidenum">
+            <a:fld id="{DE787B0F-3BE2-4288-87EB-F193B9A30F8A}" type="slidenum">
               <a:rPr lang="zh-CN" altLang="en-US" smtClean="0"/>
               <a:t>‹#›</a:t>
             </a:fld>
@@ -2014,7 +2014,7 @@
     </p:spTree>
     <p:extLst>
       <p:ext uri="{BB962C8B-B14F-4D97-AF65-F5344CB8AC3E}">
-        <p14:creationId xmlns:p14="http://schemas.microsoft.com/office/powerpoint/2010/main" val="1469031287"/>
+        <p14:creationId xmlns:p14="http://schemas.microsoft.com/office/powerpoint/2010/main" val="1674295852"/>
       </p:ext>
     </p:extLst>
   </p:cSld>
@@ -2046,7 +2046,7 @@
           <p:cNvPr id="2" name="日期占位符 1">
             <a:extLst>
               <a:ext uri="{FF2B5EF4-FFF2-40B4-BE49-F238E27FC236}">
-                <a16:creationId xmlns:a16="http://schemas.microsoft.com/office/drawing/2014/main" id="{64178A04-C9F0-5A32-B31D-C2DB81B79DBC}"/>
+                <a16:creationId xmlns:a16="http://schemas.microsoft.com/office/drawing/2014/main" id="{3BF8BA80-564A-3C0C-5643-3D3767AAE358}"/>
               </a:ext>
             </a:extLst>
           </p:cNvPr>
@@ -2062,7 +2062,7 @@
           <a:bodyPr/>
           <a:lstStyle/>
           <a:p>
-            <a:fld id="{62F1CC81-A85E-4336-B800-54F34CB696D1}" type="datetimeFigureOut">
+            <a:fld id="{2C45D382-BE16-4149-A97B-B3A944BF248C}" type="datetimeFigureOut">
               <a:rPr lang="zh-CN" altLang="en-US" smtClean="0"/>
               <a:t>2024/3/10</a:t>
             </a:fld>
@@ -2075,7 +2075,7 @@
           <p:cNvPr id="3" name="页脚占位符 2">
             <a:extLst>
               <a:ext uri="{FF2B5EF4-FFF2-40B4-BE49-F238E27FC236}">
-                <a16:creationId xmlns:a16="http://schemas.microsoft.com/office/drawing/2014/main" id="{6843C98A-5428-B70A-5C42-AAE53300B342}"/>
+                <a16:creationId xmlns:a16="http://schemas.microsoft.com/office/drawing/2014/main" id="{732336FF-3CA2-D5B8-1432-3960CFFF95C4}"/>
               </a:ext>
             </a:extLst>
           </p:cNvPr>
@@ -2100,7 +2100,7 @@
           <p:cNvPr id="4" name="灯片编号占位符 3">
             <a:extLst>
               <a:ext uri="{FF2B5EF4-FFF2-40B4-BE49-F238E27FC236}">
-                <a16:creationId xmlns:a16="http://schemas.microsoft.com/office/drawing/2014/main" id="{2C8610E1-E3A7-2DA8-9607-298E4C8E1BAE}"/>
+                <a16:creationId xmlns:a16="http://schemas.microsoft.com/office/drawing/2014/main" id="{1F59FCDC-2BCF-B4EE-9AF4-D8BDE3D12E2E}"/>
               </a:ext>
             </a:extLst>
           </p:cNvPr>
@@ -2116,7 +2116,7 @@
           <a:bodyPr/>
           <a:lstStyle/>
           <a:p>
-            <a:fld id="{7EFF3FD4-2AEB-43DC-8917-F5D48FF2F61C}" type="slidenum">
+            <a:fld id="{DE787B0F-3BE2-4288-87EB-F193B9A30F8A}" type="slidenum">
               <a:rPr lang="zh-CN" altLang="en-US" smtClean="0"/>
               <a:t>‹#›</a:t>
             </a:fld>
@@ -2127,7 +2127,7 @@
     </p:spTree>
     <p:extLst>
       <p:ext uri="{BB962C8B-B14F-4D97-AF65-F5344CB8AC3E}">
-        <p14:creationId xmlns:p14="http://schemas.microsoft.com/office/powerpoint/2010/main" val="1650111185"/>
+        <p14:creationId xmlns:p14="http://schemas.microsoft.com/office/powerpoint/2010/main" val="3024752119"/>
       </p:ext>
     </p:extLst>
   </p:cSld>
@@ -2159,7 +2159,7 @@
           <p:cNvPr id="2" name="标题 1">
             <a:extLst>
               <a:ext uri="{FF2B5EF4-FFF2-40B4-BE49-F238E27FC236}">
-                <a16:creationId xmlns:a16="http://schemas.microsoft.com/office/drawing/2014/main" id="{2495F763-4190-D8D2-441C-5551AF9DCE7C}"/>
+                <a16:creationId xmlns:a16="http://schemas.microsoft.com/office/drawing/2014/main" id="{D53589C5-2F1B-4021-8DB8-71FC8B421B5D}"/>
               </a:ext>
             </a:extLst>
           </p:cNvPr>
@@ -2196,7 +2196,7 @@
           <p:cNvPr id="3" name="内容占位符 2">
             <a:extLst>
               <a:ext uri="{FF2B5EF4-FFF2-40B4-BE49-F238E27FC236}">
-                <a16:creationId xmlns:a16="http://schemas.microsoft.com/office/drawing/2014/main" id="{73A13AD8-C743-E631-31CD-E2BD104C7C7E}"/>
+                <a16:creationId xmlns:a16="http://schemas.microsoft.com/office/drawing/2014/main" id="{2FF6B863-6392-9D2E-B9A4-02F2571A763D}"/>
               </a:ext>
             </a:extLst>
           </p:cNvPr>
@@ -2286,7 +2286,7 @@
           <p:cNvPr id="4" name="文本占位符 3">
             <a:extLst>
               <a:ext uri="{FF2B5EF4-FFF2-40B4-BE49-F238E27FC236}">
-                <a16:creationId xmlns:a16="http://schemas.microsoft.com/office/drawing/2014/main" id="{D4DD2D85-91F4-82AD-54B9-17AB786739C5}"/>
+                <a16:creationId xmlns:a16="http://schemas.microsoft.com/office/drawing/2014/main" id="{F1AD2823-2F44-F038-47F5-FFC9B31CA25F}"/>
               </a:ext>
             </a:extLst>
           </p:cNvPr>
@@ -2357,7 +2357,7 @@
           <p:cNvPr id="5" name="日期占位符 4">
             <a:extLst>
               <a:ext uri="{FF2B5EF4-FFF2-40B4-BE49-F238E27FC236}">
-                <a16:creationId xmlns:a16="http://schemas.microsoft.com/office/drawing/2014/main" id="{D0D444FB-27E3-2E6D-98F7-B7DD3789DF83}"/>
+                <a16:creationId xmlns:a16="http://schemas.microsoft.com/office/drawing/2014/main" id="{6866975F-DFBD-7FF1-F04B-B62EE7FF8162}"/>
               </a:ext>
             </a:extLst>
           </p:cNvPr>
@@ -2373,7 +2373,7 @@
           <a:bodyPr/>
           <a:lstStyle/>
           <a:p>
-            <a:fld id="{62F1CC81-A85E-4336-B800-54F34CB696D1}" type="datetimeFigureOut">
+            <a:fld id="{2C45D382-BE16-4149-A97B-B3A944BF248C}" type="datetimeFigureOut">
               <a:rPr lang="zh-CN" altLang="en-US" smtClean="0"/>
               <a:t>2024/3/10</a:t>
             </a:fld>
@@ -2386,7 +2386,7 @@
           <p:cNvPr id="6" name="页脚占位符 5">
             <a:extLst>
               <a:ext uri="{FF2B5EF4-FFF2-40B4-BE49-F238E27FC236}">
-                <a16:creationId xmlns:a16="http://schemas.microsoft.com/office/drawing/2014/main" id="{92EE5EFD-67DD-0E07-2C16-46FCCF06E93A}"/>
+                <a16:creationId xmlns:a16="http://schemas.microsoft.com/office/drawing/2014/main" id="{CA9D3A22-9D22-3DC0-C65E-9E6783ABDB6E}"/>
               </a:ext>
             </a:extLst>
           </p:cNvPr>
@@ -2411,7 +2411,7 @@
           <p:cNvPr id="7" name="灯片编号占位符 6">
             <a:extLst>
               <a:ext uri="{FF2B5EF4-FFF2-40B4-BE49-F238E27FC236}">
-                <a16:creationId xmlns:a16="http://schemas.microsoft.com/office/drawing/2014/main" id="{A81B8560-E3E9-2193-49B0-C86053B4576F}"/>
+                <a16:creationId xmlns:a16="http://schemas.microsoft.com/office/drawing/2014/main" id="{A6C79124-5687-D776-8E59-72C5553B897E}"/>
               </a:ext>
             </a:extLst>
           </p:cNvPr>
@@ -2427,7 +2427,7 @@
           <a:bodyPr/>
           <a:lstStyle/>
           <a:p>
-            <a:fld id="{7EFF3FD4-2AEB-43DC-8917-F5D48FF2F61C}" type="slidenum">
+            <a:fld id="{DE787B0F-3BE2-4288-87EB-F193B9A30F8A}" type="slidenum">
               <a:rPr lang="zh-CN" altLang="en-US" smtClean="0"/>
               <a:t>‹#›</a:t>
             </a:fld>
@@ -2438,7 +2438,7 @@
     </p:spTree>
     <p:extLst>
       <p:ext uri="{BB962C8B-B14F-4D97-AF65-F5344CB8AC3E}">
-        <p14:creationId xmlns:p14="http://schemas.microsoft.com/office/powerpoint/2010/main" val="863484065"/>
+        <p14:creationId xmlns:p14="http://schemas.microsoft.com/office/powerpoint/2010/main" val="369597383"/>
       </p:ext>
     </p:extLst>
   </p:cSld>
@@ -2470,7 +2470,7 @@
           <p:cNvPr id="2" name="标题 1">
             <a:extLst>
               <a:ext uri="{FF2B5EF4-FFF2-40B4-BE49-F238E27FC236}">
-                <a16:creationId xmlns:a16="http://schemas.microsoft.com/office/drawing/2014/main" id="{CAF42425-E3B4-A4B3-35B8-67C652B455FF}"/>
+                <a16:creationId xmlns:a16="http://schemas.microsoft.com/office/drawing/2014/main" id="{70F03C14-15BA-17C4-D5D1-C2C52EE200E5}"/>
               </a:ext>
             </a:extLst>
           </p:cNvPr>
@@ -2507,7 +2507,7 @@
           <p:cNvPr id="3" name="图片占位符 2">
             <a:extLst>
               <a:ext uri="{FF2B5EF4-FFF2-40B4-BE49-F238E27FC236}">
-                <a16:creationId xmlns:a16="http://schemas.microsoft.com/office/drawing/2014/main" id="{BFFFBB92-7C5C-B424-1952-F309C390B90F}"/>
+                <a16:creationId xmlns:a16="http://schemas.microsoft.com/office/drawing/2014/main" id="{1BEF2609-C52D-5397-A32A-F0A9BE7730FE}"/>
               </a:ext>
             </a:extLst>
           </p:cNvPr>
@@ -2574,7 +2574,7 @@
           <p:cNvPr id="4" name="文本占位符 3">
             <a:extLst>
               <a:ext uri="{FF2B5EF4-FFF2-40B4-BE49-F238E27FC236}">
-                <a16:creationId xmlns:a16="http://schemas.microsoft.com/office/drawing/2014/main" id="{E9D4A0C7-C74F-E09C-0E30-AAB677305C80}"/>
+                <a16:creationId xmlns:a16="http://schemas.microsoft.com/office/drawing/2014/main" id="{3B07F761-F50C-6794-8C12-FD86F9CB7ADD}"/>
               </a:ext>
             </a:extLst>
           </p:cNvPr>
@@ -2645,7 +2645,7 @@
           <p:cNvPr id="5" name="日期占位符 4">
             <a:extLst>
               <a:ext uri="{FF2B5EF4-FFF2-40B4-BE49-F238E27FC236}">
-                <a16:creationId xmlns:a16="http://schemas.microsoft.com/office/drawing/2014/main" id="{DDB3E15D-DA5F-9848-471C-038E81B9F2D5}"/>
+                <a16:creationId xmlns:a16="http://schemas.microsoft.com/office/drawing/2014/main" id="{24AEA639-3789-9EAB-97BB-0DB2D5079FE3}"/>
               </a:ext>
             </a:extLst>
           </p:cNvPr>
@@ -2661,7 +2661,7 @@
           <a:bodyPr/>
           <a:lstStyle/>
           <a:p>
-            <a:fld id="{62F1CC81-A85E-4336-B800-54F34CB696D1}" type="datetimeFigureOut">
+            <a:fld id="{2C45D382-BE16-4149-A97B-B3A944BF248C}" type="datetimeFigureOut">
               <a:rPr lang="zh-CN" altLang="en-US" smtClean="0"/>
               <a:t>2024/3/10</a:t>
             </a:fld>
@@ -2674,7 +2674,7 @@
           <p:cNvPr id="6" name="页脚占位符 5">
             <a:extLst>
               <a:ext uri="{FF2B5EF4-FFF2-40B4-BE49-F238E27FC236}">
-                <a16:creationId xmlns:a16="http://schemas.microsoft.com/office/drawing/2014/main" id="{432D0424-E48F-A941-3C83-3B26C886CDEA}"/>
+                <a16:creationId xmlns:a16="http://schemas.microsoft.com/office/drawing/2014/main" id="{A1ED1859-C377-4A37-7294-D28ADFEA4C19}"/>
               </a:ext>
             </a:extLst>
           </p:cNvPr>
@@ -2699,7 +2699,7 @@
           <p:cNvPr id="7" name="灯片编号占位符 6">
             <a:extLst>
               <a:ext uri="{FF2B5EF4-FFF2-40B4-BE49-F238E27FC236}">
-                <a16:creationId xmlns:a16="http://schemas.microsoft.com/office/drawing/2014/main" id="{00651F1A-BA81-DC3D-2F4F-B530D1028E8B}"/>
+                <a16:creationId xmlns:a16="http://schemas.microsoft.com/office/drawing/2014/main" id="{EC5F6268-9DB3-6DBE-9ACD-104AB7A4BC74}"/>
               </a:ext>
             </a:extLst>
           </p:cNvPr>
@@ -2715,7 +2715,7 @@
           <a:bodyPr/>
           <a:lstStyle/>
           <a:p>
-            <a:fld id="{7EFF3FD4-2AEB-43DC-8917-F5D48FF2F61C}" type="slidenum">
+            <a:fld id="{DE787B0F-3BE2-4288-87EB-F193B9A30F8A}" type="slidenum">
               <a:rPr lang="zh-CN" altLang="en-US" smtClean="0"/>
               <a:t>‹#›</a:t>
             </a:fld>
@@ -2726,7 +2726,7 @@
     </p:spTree>
     <p:extLst>
       <p:ext uri="{BB962C8B-B14F-4D97-AF65-F5344CB8AC3E}">
-        <p14:creationId xmlns:p14="http://schemas.microsoft.com/office/powerpoint/2010/main" val="888045782"/>
+        <p14:creationId xmlns:p14="http://schemas.microsoft.com/office/powerpoint/2010/main" val="3016488590"/>
       </p:ext>
     </p:extLst>
   </p:cSld>
@@ -2763,7 +2763,7 @@
           <p:cNvPr id="2" name="标题占位符 1">
             <a:extLst>
               <a:ext uri="{FF2B5EF4-FFF2-40B4-BE49-F238E27FC236}">
-                <a16:creationId xmlns:a16="http://schemas.microsoft.com/office/drawing/2014/main" id="{49E1D1CC-92AC-025E-9C2C-CA968177392A}"/>
+                <a16:creationId xmlns:a16="http://schemas.microsoft.com/office/drawing/2014/main" id="{2A8C9CB4-52BE-291E-B416-CDED3A441A33}"/>
               </a:ext>
             </a:extLst>
           </p:cNvPr>
@@ -2801,7 +2801,7 @@
           <p:cNvPr id="3" name="文本占位符 2">
             <a:extLst>
               <a:ext uri="{FF2B5EF4-FFF2-40B4-BE49-F238E27FC236}">
-                <a16:creationId xmlns:a16="http://schemas.microsoft.com/office/drawing/2014/main" id="{96488069-C5AC-EC04-62CB-5D1406A87CD8}"/>
+                <a16:creationId xmlns:a16="http://schemas.microsoft.com/office/drawing/2014/main" id="{DE019CC2-E0C0-CC50-2B62-F7F6BDAFE04A}"/>
               </a:ext>
             </a:extLst>
           </p:cNvPr>
@@ -2868,7 +2868,7 @@
           <p:cNvPr id="4" name="日期占位符 3">
             <a:extLst>
               <a:ext uri="{FF2B5EF4-FFF2-40B4-BE49-F238E27FC236}">
-                <a16:creationId xmlns:a16="http://schemas.microsoft.com/office/drawing/2014/main" id="{B6827954-3C01-83F3-678F-752967C58761}"/>
+                <a16:creationId xmlns:a16="http://schemas.microsoft.com/office/drawing/2014/main" id="{BD8E23C9-5D00-B2E9-9D81-AAC3AB0F84F8}"/>
               </a:ext>
             </a:extLst>
           </p:cNvPr>
@@ -2902,7 +2902,7 @@
             </a:lvl1pPr>
           </a:lstStyle>
           <a:p>
-            <a:fld id="{62F1CC81-A85E-4336-B800-54F34CB696D1}" type="datetimeFigureOut">
+            <a:fld id="{2C45D382-BE16-4149-A97B-B3A944BF248C}" type="datetimeFigureOut">
               <a:rPr lang="zh-CN" altLang="en-US" smtClean="0"/>
               <a:t>2024/3/10</a:t>
             </a:fld>
@@ -2915,7 +2915,7 @@
           <p:cNvPr id="5" name="页脚占位符 4">
             <a:extLst>
               <a:ext uri="{FF2B5EF4-FFF2-40B4-BE49-F238E27FC236}">
-                <a16:creationId xmlns:a16="http://schemas.microsoft.com/office/drawing/2014/main" id="{ECD83168-432D-FA15-7DAA-C7FC9B3B9D70}"/>
+                <a16:creationId xmlns:a16="http://schemas.microsoft.com/office/drawing/2014/main" id="{753AF250-DD9A-E756-7F5A-25562FE1E30F}"/>
               </a:ext>
             </a:extLst>
           </p:cNvPr>
@@ -2958,7 +2958,7 @@
           <p:cNvPr id="6" name="灯片编号占位符 5">
             <a:extLst>
               <a:ext uri="{FF2B5EF4-FFF2-40B4-BE49-F238E27FC236}">
-                <a16:creationId xmlns:a16="http://schemas.microsoft.com/office/drawing/2014/main" id="{A7382A27-0F23-D70C-06BB-8F72B43A39EB}"/>
+                <a16:creationId xmlns:a16="http://schemas.microsoft.com/office/drawing/2014/main" id="{3325CC17-91E9-A9A5-48A0-C95CA5413210}"/>
               </a:ext>
             </a:extLst>
           </p:cNvPr>
@@ -2992,7 +2992,7 @@
             </a:lvl1pPr>
           </a:lstStyle>
           <a:p>
-            <a:fld id="{7EFF3FD4-2AEB-43DC-8917-F5D48FF2F61C}" type="slidenum">
+            <a:fld id="{DE787B0F-3BE2-4288-87EB-F193B9A30F8A}" type="slidenum">
               <a:rPr lang="zh-CN" altLang="en-US" smtClean="0"/>
               <a:t>‹#›</a:t>
             </a:fld>
@@ -3003,7 +3003,7 @@
     </p:spTree>
     <p:extLst>
       <p:ext uri="{BB962C8B-B14F-4D97-AF65-F5344CB8AC3E}">
-        <p14:creationId xmlns:p14="http://schemas.microsoft.com/office/powerpoint/2010/main" val="2867105123"/>
+        <p14:creationId xmlns:p14="http://schemas.microsoft.com/office/powerpoint/2010/main" val="1008105532"/>
       </p:ext>
     </p:extLst>
   </p:cSld>
